--- a/Sanjay.pptx
+++ b/Sanjay.pptx
@@ -2017,7 +2017,7 @@
     </p:spTree>
     <p:extLst>
       <p:ext uri="{BB962C8B-B14F-4D97-AF65-F5344CB8AC3E}">
-        <p14:creationId xmlns:p14="http://schemas.microsoft.com/office/powerpoint/2010/main" val="27740879"/>
+        <p14:creationId xmlns:p14="http://schemas.microsoft.com/office/powerpoint/2010/main" val="1405718532"/>
       </p:ext>
     </p:extLst>
   </p:cSld>
@@ -2341,7 +2341,7 @@
     </p:spTree>
     <p:extLst>
       <p:ext uri="{BB962C8B-B14F-4D97-AF65-F5344CB8AC3E}">
-        <p14:creationId xmlns:p14="http://schemas.microsoft.com/office/powerpoint/2010/main" val="337254492"/>
+        <p14:creationId xmlns:p14="http://schemas.microsoft.com/office/powerpoint/2010/main" val="646548686"/>
       </p:ext>
     </p:extLst>
   </p:cSld>
@@ -2451,7 +2451,7 @@
     </p:spTree>
     <p:extLst>
       <p:ext uri="{BB962C8B-B14F-4D97-AF65-F5344CB8AC3E}">
-        <p14:creationId xmlns:p14="http://schemas.microsoft.com/office/powerpoint/2010/main" val="1009384213"/>
+        <p14:creationId xmlns:p14="http://schemas.microsoft.com/office/powerpoint/2010/main" val="1535258790"/>
       </p:ext>
     </p:extLst>
   </p:cSld>
@@ -2561,7 +2561,7 @@
     </p:spTree>
     <p:extLst>
       <p:ext uri="{BB962C8B-B14F-4D97-AF65-F5344CB8AC3E}">
-        <p14:creationId xmlns:p14="http://schemas.microsoft.com/office/powerpoint/2010/main" val="1978837942"/>
+        <p14:creationId xmlns:p14="http://schemas.microsoft.com/office/powerpoint/2010/main" val="1271456307"/>
       </p:ext>
     </p:extLst>
   </p:cSld>
@@ -2671,7 +2671,7 @@
     </p:spTree>
     <p:extLst>
       <p:ext uri="{BB962C8B-B14F-4D97-AF65-F5344CB8AC3E}">
-        <p14:creationId xmlns:p14="http://schemas.microsoft.com/office/powerpoint/2010/main" val="731677092"/>
+        <p14:creationId xmlns:p14="http://schemas.microsoft.com/office/powerpoint/2010/main" val="425039704"/>
       </p:ext>
     </p:extLst>
   </p:cSld>
@@ -2781,7 +2781,7 @@
     </p:spTree>
     <p:extLst>
       <p:ext uri="{BB962C8B-B14F-4D97-AF65-F5344CB8AC3E}">
-        <p14:creationId xmlns:p14="http://schemas.microsoft.com/office/powerpoint/2010/main" val="737715959"/>
+        <p14:creationId xmlns:p14="http://schemas.microsoft.com/office/powerpoint/2010/main" val="1486383358"/>
       </p:ext>
     </p:extLst>
   </p:cSld>
@@ -2891,7 +2891,7 @@
     </p:spTree>
     <p:extLst>
       <p:ext uri="{BB962C8B-B14F-4D97-AF65-F5344CB8AC3E}">
-        <p14:creationId xmlns:p14="http://schemas.microsoft.com/office/powerpoint/2010/main" val="1858435607"/>
+        <p14:creationId xmlns:p14="http://schemas.microsoft.com/office/powerpoint/2010/main" val="1084295500"/>
       </p:ext>
     </p:extLst>
   </p:cSld>
@@ -3001,7 +3001,7 @@
     </p:spTree>
     <p:extLst>
       <p:ext uri="{BB962C8B-B14F-4D97-AF65-F5344CB8AC3E}">
-        <p14:creationId xmlns:p14="http://schemas.microsoft.com/office/powerpoint/2010/main" val="952996347"/>
+        <p14:creationId xmlns:p14="http://schemas.microsoft.com/office/powerpoint/2010/main" val="1617909792"/>
       </p:ext>
     </p:extLst>
   </p:cSld>
@@ -3111,7 +3111,7 @@
     </p:spTree>
     <p:extLst>
       <p:ext uri="{BB962C8B-B14F-4D97-AF65-F5344CB8AC3E}">
-        <p14:creationId xmlns:p14="http://schemas.microsoft.com/office/powerpoint/2010/main" val="1120956127"/>
+        <p14:creationId xmlns:p14="http://schemas.microsoft.com/office/powerpoint/2010/main" val="352658416"/>
       </p:ext>
     </p:extLst>
   </p:cSld>
@@ -3221,7 +3221,7 @@
     </p:spTree>
     <p:extLst>
       <p:ext uri="{BB962C8B-B14F-4D97-AF65-F5344CB8AC3E}">
-        <p14:creationId xmlns:p14="http://schemas.microsoft.com/office/powerpoint/2010/main" val="1799536752"/>
+        <p14:creationId xmlns:p14="http://schemas.microsoft.com/office/powerpoint/2010/main" val="1692887468"/>
       </p:ext>
     </p:extLst>
   </p:cSld>
@@ -3331,7 +3331,7 @@
     </p:spTree>
     <p:extLst>
       <p:ext uri="{BB962C8B-B14F-4D97-AF65-F5344CB8AC3E}">
-        <p14:creationId xmlns:p14="http://schemas.microsoft.com/office/powerpoint/2010/main" val="1076444510"/>
+        <p14:creationId xmlns:p14="http://schemas.microsoft.com/office/powerpoint/2010/main" val="43640516"/>
       </p:ext>
     </p:extLst>
   </p:cSld>
@@ -3441,7 +3441,7 @@
     </p:spTree>
     <p:extLst>
       <p:ext uri="{BB962C8B-B14F-4D97-AF65-F5344CB8AC3E}">
-        <p14:creationId xmlns:p14="http://schemas.microsoft.com/office/powerpoint/2010/main" val="1572563767"/>
+        <p14:creationId xmlns:p14="http://schemas.microsoft.com/office/powerpoint/2010/main" val="1152011180"/>
       </p:ext>
     </p:extLst>
   </p:cSld>
@@ -3551,7 +3551,7 @@
     </p:spTree>
     <p:extLst>
       <p:ext uri="{BB962C8B-B14F-4D97-AF65-F5344CB8AC3E}">
-        <p14:creationId xmlns:p14="http://schemas.microsoft.com/office/powerpoint/2010/main" val="1747586715"/>
+        <p14:creationId xmlns:p14="http://schemas.microsoft.com/office/powerpoint/2010/main" val="260431779"/>
       </p:ext>
     </p:extLst>
   </p:cSld>
@@ -3661,7 +3661,7 @@
     </p:spTree>
     <p:extLst>
       <p:ext uri="{BB962C8B-B14F-4D97-AF65-F5344CB8AC3E}">
-        <p14:creationId xmlns:p14="http://schemas.microsoft.com/office/powerpoint/2010/main" val="882335338"/>
+        <p14:creationId xmlns:p14="http://schemas.microsoft.com/office/powerpoint/2010/main" val="256772959"/>
       </p:ext>
     </p:extLst>
   </p:cSld>
@@ -3771,7 +3771,7 @@
     </p:spTree>
     <p:extLst>
       <p:ext uri="{BB962C8B-B14F-4D97-AF65-F5344CB8AC3E}">
-        <p14:creationId xmlns:p14="http://schemas.microsoft.com/office/powerpoint/2010/main" val="209073652"/>
+        <p14:creationId xmlns:p14="http://schemas.microsoft.com/office/powerpoint/2010/main" val="1179060881"/>
       </p:ext>
     </p:extLst>
   </p:cSld>
@@ -3881,7 +3881,7 @@
     </p:spTree>
     <p:extLst>
       <p:ext uri="{BB962C8B-B14F-4D97-AF65-F5344CB8AC3E}">
-        <p14:creationId xmlns:p14="http://schemas.microsoft.com/office/powerpoint/2010/main" val="989753918"/>
+        <p14:creationId xmlns:p14="http://schemas.microsoft.com/office/powerpoint/2010/main" val="1689430657"/>
       </p:ext>
     </p:extLst>
   </p:cSld>
@@ -3892,7 +3892,7 @@
 </file>
 
 <file path=ppt/slideLayouts/slideLayout1.xml><?xml version="1.0" encoding="utf-8"?>
-<p:sldLayout xmlns:p="http://schemas.openxmlformats.org/presentationml/2006/main" xmlns:a="http://schemas.openxmlformats.org/drawingml/2006/main" xmlns:r="http://schemas.openxmlformats.org/officeDocument/2006/relationships" type="title" preserve="1">
+<p:sldLayout xmlns:p="http://schemas.openxmlformats.org/presentationml/2006/main" type="title" preserve="1">
   <p:cSld name="标题幻灯片">
     <p:spTree>
       <p:nvGrpSpPr>
@@ -3901,7 +3901,7 @@
         <p:nvPr/>
       </p:nvGrpSpPr>
       <p:grpSpPr>
-        <a:xfrm>
+        <a:xfrm xmlns:a="http://schemas.openxmlformats.org/drawingml/2006/main">
           <a:off x="0" y="0"/>
           <a:ext cx="0" cy="0"/>
           <a:chOff x="0" y="0"/>
@@ -3912,22 +3912,22 @@
         <p:nvSpPr>
           <p:cNvPr id="2" name="文本框"/>
           <p:cNvSpPr>
-            <a:spLocks noGrp="1"/>
+            <a:spLocks xmlns:a="http://schemas.openxmlformats.org/drawingml/2006/main" noGrp="1"/>
           </p:cNvSpPr>
           <p:nvPr>
             <p:ph type="ctrTitle"/>
           </p:nvPr>
         </p:nvSpPr>
         <p:spPr>
-          <a:xfrm>
+          <a:xfrm xmlns:a="http://schemas.openxmlformats.org/drawingml/2006/main">
             <a:off x="914400" y="2130425"/>
             <a:ext cx="10363200" cy="1470025"/>
           </a:xfrm>
         </p:spPr>
         <p:txBody>
-          <a:bodyPr/>
-          <a:lstStyle/>
-          <a:p>
+          <a:bodyPr xmlns:a="http://schemas.openxmlformats.org/drawingml/2006/main"/>
+          <a:lstStyle xmlns:a="http://schemas.openxmlformats.org/drawingml/2006/main"/>
+          <a:p xmlns:a="http://schemas.openxmlformats.org/drawingml/2006/main">
             <a:r>
               <a:rPr lang="zh-CN" altLang="en-US" smtClean="0"/>
               <a:t>单击此处编辑母版标题样式</a:t>
@@ -3940,21 +3940,21 @@
         <p:nvSpPr>
           <p:cNvPr id="3" name="文本框"/>
           <p:cNvSpPr>
-            <a:spLocks noGrp="1"/>
+            <a:spLocks xmlns:a="http://schemas.openxmlformats.org/drawingml/2006/main" noGrp="1"/>
           </p:cNvSpPr>
           <p:nvPr>
             <p:ph type="subTitle" idx="1"/>
           </p:nvPr>
         </p:nvSpPr>
         <p:spPr>
-          <a:xfrm>
+          <a:xfrm xmlns:a="http://schemas.openxmlformats.org/drawingml/2006/main">
             <a:off x="1828800" y="3886199"/>
             <a:ext cx="8534400" cy="1752600"/>
           </a:xfrm>
         </p:spPr>
         <p:txBody>
-          <a:bodyPr/>
-          <a:lstStyle>
+          <a:bodyPr xmlns:a="http://schemas.openxmlformats.org/drawingml/2006/main"/>
+          <a:lstStyle xmlns:a="http://schemas.openxmlformats.org/drawingml/2006/main">
             <a:lvl1pPr marL="0" indent="0" algn="ctr">
               <a:buNone/>
               <a:defRPr/>
@@ -3992,7 +3992,7 @@
               <a:defRPr/>
             </a:lvl9pPr>
           </a:lstStyle>
-          <a:p>
+          <a:p xmlns:a="http://schemas.openxmlformats.org/drawingml/2006/main">
             <a:r>
               <a:rPr lang="zh-CN" altLang="en-US" smtClean="0"/>
               <a:t>单击此处编辑母版副标题样式</a:t>
@@ -4005,7 +4005,7 @@
         <p:nvSpPr>
           <p:cNvPr id="4" name="文本框"/>
           <p:cNvSpPr>
-            <a:spLocks noGrp="1"/>
+            <a:spLocks xmlns:a="http://schemas.openxmlformats.org/drawingml/2006/main" noGrp="1"/>
           </p:cNvSpPr>
           <p:nvPr>
             <p:ph type="dt" sz="half" idx="10"/>
@@ -4013,9 +4013,9 @@
         </p:nvSpPr>
         <p:spPr/>
         <p:txBody>
-          <a:bodyPr/>
-          <a:lstStyle/>
-          <a:p>
+          <a:bodyPr xmlns:a="http://schemas.openxmlformats.org/drawingml/2006/main"/>
+          <a:lstStyle xmlns:a="http://schemas.openxmlformats.org/drawingml/2006/main"/>
+          <a:p xmlns:a="http://schemas.openxmlformats.org/drawingml/2006/main">
             <a:fld id="{72514870-5082-4025-BC8A-5E070B8EB77D}" type="datetimeFigureOut">
               <a:rPr lang="zh-CN" altLang="en-US" smtClean="0"/>
               <a:t/>
@@ -4028,7 +4028,7 @@
         <p:nvSpPr>
           <p:cNvPr id="5" name="文本框"/>
           <p:cNvSpPr>
-            <a:spLocks noGrp="1"/>
+            <a:spLocks xmlns:a="http://schemas.openxmlformats.org/drawingml/2006/main" noGrp="1"/>
           </p:cNvSpPr>
           <p:nvPr>
             <p:ph type="ftr" sz="quarter" idx="11"/>
@@ -4036,9 +4036,9 @@
         </p:nvSpPr>
         <p:spPr/>
         <p:txBody>
-          <a:bodyPr/>
-          <a:lstStyle/>
-          <a:p>
+          <a:bodyPr xmlns:a="http://schemas.openxmlformats.org/drawingml/2006/main"/>
+          <a:lstStyle xmlns:a="http://schemas.openxmlformats.org/drawingml/2006/main"/>
+          <a:p xmlns:a="http://schemas.openxmlformats.org/drawingml/2006/main">
             <a:endParaRPr lang="zh-CN" altLang="en-US"/>
           </a:p>
         </p:txBody>
@@ -4047,7 +4047,7 @@
         <p:nvSpPr>
           <p:cNvPr id="6" name="文本框"/>
           <p:cNvSpPr>
-            <a:spLocks noGrp="1"/>
+            <a:spLocks xmlns:a="http://schemas.openxmlformats.org/drawingml/2006/main" noGrp="1"/>
           </p:cNvSpPr>
           <p:nvPr>
             <p:ph type="sldNum" sz="quarter" idx="12"/>
@@ -4055,9 +4055,9 @@
         </p:nvSpPr>
         <p:spPr/>
         <p:txBody>
-          <a:bodyPr/>
-          <a:lstStyle/>
-          <a:p>
+          <a:bodyPr xmlns:a="http://schemas.openxmlformats.org/drawingml/2006/main"/>
+          <a:lstStyle xmlns:a="http://schemas.openxmlformats.org/drawingml/2006/main"/>
+          <a:p xmlns:a="http://schemas.openxmlformats.org/drawingml/2006/main">
             <a:fld id="{3E00D155-3BB6-43CF-9AC4-BC63A66E74A9}" type="slidenum">
               <a:rPr lang="zh-CN" altLang="en-US" smtClean="0"/>
               <a:t/>
@@ -4069,12 +4069,12 @@
     </p:spTree>
     <p:extLst>
       <p:ext uri="{BB962C8B-B14F-4D97-AF65-F5344CB8AC3E}">
-        <p14:creationId xmlns:p14="http://schemas.microsoft.com/office/powerpoint/2010/main" val="816171181"/>
+        <p14:creationId xmlns:p14="http://schemas.microsoft.com/office/powerpoint/2010/main" val="471278335"/>
       </p:ext>
     </p:extLst>
   </p:cSld>
   <p:clrMapOvr>
-    <a:masterClrMapping/>
+    <a:masterClrMapping xmlns:a="http://schemas.openxmlformats.org/drawingml/2006/main"/>
   </p:clrMapOvr>
 </p:sldLayout>
 </file>
@@ -4239,7 +4239,7 @@
     </p:spTree>
     <p:extLst>
       <p:ext uri="{BB962C8B-B14F-4D97-AF65-F5344CB8AC3E}">
-        <p14:creationId xmlns:p14="http://schemas.microsoft.com/office/powerpoint/2010/main" val="724622123"/>
+        <p14:creationId xmlns:p14="http://schemas.microsoft.com/office/powerpoint/2010/main" val="1454792258"/>
       </p:ext>
     </p:extLst>
   </p:cSld>
@@ -4419,7 +4419,7 @@
     </p:spTree>
     <p:extLst>
       <p:ext uri="{BB962C8B-B14F-4D97-AF65-F5344CB8AC3E}">
-        <p14:creationId xmlns:p14="http://schemas.microsoft.com/office/powerpoint/2010/main" val="1163355544"/>
+        <p14:creationId xmlns:p14="http://schemas.microsoft.com/office/powerpoint/2010/main" val="2048451085"/>
       </p:ext>
     </p:extLst>
   </p:cSld>
@@ -5181,7 +5181,7 @@
     </p:spTree>
     <p:extLst>
       <p:ext uri="{BB962C8B-B14F-4D97-AF65-F5344CB8AC3E}">
-        <p14:creationId xmlns:p14="http://schemas.microsoft.com/office/powerpoint/2010/main" val="1739510578"/>
+        <p14:creationId xmlns:p14="http://schemas.microsoft.com/office/powerpoint/2010/main" val="86494127"/>
       </p:ext>
     </p:extLst>
   </p:cSld>
@@ -5909,7 +5909,7 @@
     </p:spTree>
     <p:extLst>
       <p:ext uri="{BB962C8B-B14F-4D97-AF65-F5344CB8AC3E}">
-        <p14:creationId xmlns:p14="http://schemas.microsoft.com/office/powerpoint/2010/main" val="1616654434"/>
+        <p14:creationId xmlns:p14="http://schemas.microsoft.com/office/powerpoint/2010/main" val="1101247750"/>
       </p:ext>
     </p:extLst>
   </p:cSld>
@@ -6597,7 +6597,7 @@
     </p:spTree>
     <p:extLst>
       <p:ext uri="{BB962C8B-B14F-4D97-AF65-F5344CB8AC3E}">
-        <p14:creationId xmlns:p14="http://schemas.microsoft.com/office/powerpoint/2010/main" val="1440609965"/>
+        <p14:creationId xmlns:p14="http://schemas.microsoft.com/office/powerpoint/2010/main" val="534290502"/>
       </p:ext>
     </p:extLst>
   </p:cSld>
@@ -6767,7 +6767,7 @@
     </p:spTree>
     <p:extLst>
       <p:ext uri="{BB962C8B-B14F-4D97-AF65-F5344CB8AC3E}">
-        <p14:creationId xmlns:p14="http://schemas.microsoft.com/office/powerpoint/2010/main" val="1834103516"/>
+        <p14:creationId xmlns:p14="http://schemas.microsoft.com/office/powerpoint/2010/main" val="2146758677"/>
       </p:ext>
     </p:extLst>
   </p:cSld>
@@ -6959,7 +6959,7 @@
     </p:spTree>
     <p:extLst>
       <p:ext uri="{BB962C8B-B14F-4D97-AF65-F5344CB8AC3E}">
-        <p14:creationId xmlns:p14="http://schemas.microsoft.com/office/powerpoint/2010/main" val="43350293"/>
+        <p14:creationId xmlns:p14="http://schemas.microsoft.com/office/powerpoint/2010/main" val="741212682"/>
       </p:ext>
     </p:extLst>
   </p:cSld>
@@ -7247,7 +7247,7 @@
     </p:spTree>
     <p:extLst>
       <p:ext uri="{BB962C8B-B14F-4D97-AF65-F5344CB8AC3E}">
-        <p14:creationId xmlns:p14="http://schemas.microsoft.com/office/powerpoint/2010/main" val="974760883"/>
+        <p14:creationId xmlns:p14="http://schemas.microsoft.com/office/powerpoint/2010/main" val="938105151"/>
       </p:ext>
     </p:extLst>
   </p:cSld>
@@ -7669,7 +7669,7 @@
     </p:spTree>
     <p:extLst>
       <p:ext uri="{BB962C8B-B14F-4D97-AF65-F5344CB8AC3E}">
-        <p14:creationId xmlns:p14="http://schemas.microsoft.com/office/powerpoint/2010/main" val="679655354"/>
+        <p14:creationId xmlns:p14="http://schemas.microsoft.com/office/powerpoint/2010/main" val="812512737"/>
       </p:ext>
     </p:extLst>
   </p:cSld>
@@ -7787,7 +7787,7 @@
     </p:spTree>
     <p:extLst>
       <p:ext uri="{BB962C8B-B14F-4D97-AF65-F5344CB8AC3E}">
-        <p14:creationId xmlns:p14="http://schemas.microsoft.com/office/powerpoint/2010/main" val="880171595"/>
+        <p14:creationId xmlns:p14="http://schemas.microsoft.com/office/powerpoint/2010/main" val="1303432317"/>
       </p:ext>
     </p:extLst>
   </p:cSld>
@@ -7882,7 +7882,7 @@
     </p:spTree>
     <p:extLst>
       <p:ext uri="{BB962C8B-B14F-4D97-AF65-F5344CB8AC3E}">
-        <p14:creationId xmlns:p14="http://schemas.microsoft.com/office/powerpoint/2010/main" val="1582399428"/>
+        <p14:creationId xmlns:p14="http://schemas.microsoft.com/office/powerpoint/2010/main" val="971710135"/>
       </p:ext>
     </p:extLst>
   </p:cSld>
@@ -8159,7 +8159,7 @@
     </p:spTree>
     <p:extLst>
       <p:ext uri="{BB962C8B-B14F-4D97-AF65-F5344CB8AC3E}">
-        <p14:creationId xmlns:p14="http://schemas.microsoft.com/office/powerpoint/2010/main" val="1749993509"/>
+        <p14:creationId xmlns:p14="http://schemas.microsoft.com/office/powerpoint/2010/main" val="249556787"/>
       </p:ext>
     </p:extLst>
   </p:cSld>
@@ -8412,7 +8412,7 @@
     </p:spTree>
     <p:extLst>
       <p:ext uri="{BB962C8B-B14F-4D97-AF65-F5344CB8AC3E}">
-        <p14:creationId xmlns:p14="http://schemas.microsoft.com/office/powerpoint/2010/main" val="1922414366"/>
+        <p14:creationId xmlns:p14="http://schemas.microsoft.com/office/powerpoint/2010/main" val="380788554"/>
       </p:ext>
     </p:extLst>
   </p:cSld>
@@ -9185,7 +9185,7 @@
     </p:spTree>
     <p:extLst>
       <p:ext uri="{BB962C8B-B14F-4D97-AF65-F5344CB8AC3E}">
-        <p14:creationId xmlns:p14="http://schemas.microsoft.com/office/powerpoint/2010/main" val="1257796105"/>
+        <p14:creationId xmlns:p14="http://schemas.microsoft.com/office/powerpoint/2010/main" val="655276382"/>
       </p:ext>
     </p:extLst>
   </p:cSld>
@@ -9998,7 +9998,7 @@
     </p:spTree>
     <p:extLst>
       <p:ext uri="{BB962C8B-B14F-4D97-AF65-F5344CB8AC3E}">
-        <p14:creationId xmlns:p14="http://schemas.microsoft.com/office/powerpoint/2010/main" val="570944124"/>
+        <p14:creationId xmlns:p14="http://schemas.microsoft.com/office/powerpoint/2010/main" val="428407324"/>
       </p:ext>
     </p:extLst>
   </p:cSld>
@@ -10987,7 +10987,7 @@
     </p:spTree>
     <p:extLst>
       <p:ext uri="{BB962C8B-B14F-4D97-AF65-F5344CB8AC3E}">
-        <p14:creationId xmlns:p14="http://schemas.microsoft.com/office/powerpoint/2010/main" val="587794219"/>
+        <p14:creationId xmlns:p14="http://schemas.microsoft.com/office/powerpoint/2010/main" val="617065882"/>
       </p:ext>
     </p:extLst>
   </p:cSld>
@@ -11793,7 +11793,7 @@
     </p:spTree>
     <p:extLst>
       <p:ext uri="{BB962C8B-B14F-4D97-AF65-F5344CB8AC3E}">
-        <p14:creationId xmlns:p14="http://schemas.microsoft.com/office/powerpoint/2010/main" val="380690649"/>
+        <p14:creationId xmlns:p14="http://schemas.microsoft.com/office/powerpoint/2010/main" val="898964698"/>
       </p:ext>
     </p:extLst>
   </p:cSld>
@@ -12266,7 +12266,7 @@
     </p:spTree>
     <p:extLst>
       <p:ext uri="{BB962C8B-B14F-4D97-AF65-F5344CB8AC3E}">
-        <p14:creationId xmlns:p14="http://schemas.microsoft.com/office/powerpoint/2010/main" val="1684456707"/>
+        <p14:creationId xmlns:p14="http://schemas.microsoft.com/office/powerpoint/2010/main" val="593279712"/>
       </p:ext>
     </p:extLst>
   </p:cSld>
@@ -12746,7 +12746,7 @@
     </p:spTree>
     <p:extLst>
       <p:ext uri="{BB962C8B-B14F-4D97-AF65-F5344CB8AC3E}">
-        <p14:creationId xmlns:p14="http://schemas.microsoft.com/office/powerpoint/2010/main" val="1474009932"/>
+        <p14:creationId xmlns:p14="http://schemas.microsoft.com/office/powerpoint/2010/main" val="1936036907"/>
       </p:ext>
     </p:extLst>
   </p:cSld>
@@ -12861,7 +12861,7 @@
     </p:spTree>
     <p:extLst>
       <p:ext uri="{BB962C8B-B14F-4D97-AF65-F5344CB8AC3E}">
-        <p14:creationId xmlns:p14="http://schemas.microsoft.com/office/powerpoint/2010/main" val="390150546"/>
+        <p14:creationId xmlns:p14="http://schemas.microsoft.com/office/powerpoint/2010/main" val="947946156"/>
       </p:ext>
     </p:extLst>
   </p:cSld>
@@ -13385,7 +13385,7 @@
     </p:spTree>
     <p:extLst>
       <p:ext uri="{BB962C8B-B14F-4D97-AF65-F5344CB8AC3E}">
-        <p14:creationId xmlns:p14="http://schemas.microsoft.com/office/powerpoint/2010/main" val="821394439"/>
+        <p14:creationId xmlns:p14="http://schemas.microsoft.com/office/powerpoint/2010/main" val="1310044225"/>
       </p:ext>
     </p:extLst>
   </p:cSld>
@@ -14439,7 +14439,7 @@
     </p:spTree>
     <p:extLst>
       <p:ext uri="{BB962C8B-B14F-4D97-AF65-F5344CB8AC3E}">
-        <p14:creationId xmlns:p14="http://schemas.microsoft.com/office/powerpoint/2010/main" val="204803604"/>
+        <p14:creationId xmlns:p14="http://schemas.microsoft.com/office/powerpoint/2010/main" val="847453847"/>
       </p:ext>
     </p:extLst>
   </p:cSld>
@@ -16170,7 +16170,7 @@
     </p:spTree>
     <p:extLst>
       <p:ext uri="{BB962C8B-B14F-4D97-AF65-F5344CB8AC3E}">
-        <p14:creationId xmlns:p14="http://schemas.microsoft.com/office/powerpoint/2010/main" val="112872685"/>
+        <p14:creationId xmlns:p14="http://schemas.microsoft.com/office/powerpoint/2010/main" val="859610623"/>
       </p:ext>
     </p:extLst>
   </p:cSld>
@@ -17102,7 +17102,7 @@
     </p:spTree>
     <p:extLst>
       <p:ext uri="{BB962C8B-B14F-4D97-AF65-F5344CB8AC3E}">
-        <p14:creationId xmlns:p14="http://schemas.microsoft.com/office/powerpoint/2010/main" val="1278696760"/>
+        <p14:creationId xmlns:p14="http://schemas.microsoft.com/office/powerpoint/2010/main" val="998773773"/>
       </p:ext>
     </p:extLst>
   </p:cSld>
@@ -17494,7 +17494,7 @@
     </p:spTree>
     <p:extLst>
       <p:ext uri="{BB962C8B-B14F-4D97-AF65-F5344CB8AC3E}">
-        <p14:creationId xmlns:p14="http://schemas.microsoft.com/office/powerpoint/2010/main" val="49097028"/>
+        <p14:creationId xmlns:p14="http://schemas.microsoft.com/office/powerpoint/2010/main" val="1276562096"/>
       </p:ext>
     </p:extLst>
   </p:cSld>
@@ -18470,7 +18470,7 @@
     </p:spTree>
     <p:extLst>
       <p:ext uri="{BB962C8B-B14F-4D97-AF65-F5344CB8AC3E}">
-        <p14:creationId xmlns:p14="http://schemas.microsoft.com/office/powerpoint/2010/main" val="1086068225"/>
+        <p14:creationId xmlns:p14="http://schemas.microsoft.com/office/powerpoint/2010/main" val="1651009840"/>
       </p:ext>
     </p:extLst>
   </p:cSld>
@@ -19159,7 +19159,7 @@
     </p:spTree>
     <p:extLst>
       <p:ext uri="{BB962C8B-B14F-4D97-AF65-F5344CB8AC3E}">
-        <p14:creationId xmlns:p14="http://schemas.microsoft.com/office/powerpoint/2010/main" val="573959841"/>
+        <p14:creationId xmlns:p14="http://schemas.microsoft.com/office/powerpoint/2010/main" val="466994212"/>
       </p:ext>
     </p:extLst>
   </p:cSld>
@@ -20137,7 +20137,7 @@
     </p:spTree>
     <p:extLst>
       <p:ext uri="{BB962C8B-B14F-4D97-AF65-F5344CB8AC3E}">
-        <p14:creationId xmlns:p14="http://schemas.microsoft.com/office/powerpoint/2010/main" val="1634913329"/>
+        <p14:creationId xmlns:p14="http://schemas.microsoft.com/office/powerpoint/2010/main" val="112790484"/>
       </p:ext>
     </p:extLst>
   </p:cSld>
@@ -20524,7 +20524,7 @@
     </p:spTree>
     <p:extLst>
       <p:ext uri="{BB962C8B-B14F-4D97-AF65-F5344CB8AC3E}">
-        <p14:creationId xmlns:p14="http://schemas.microsoft.com/office/powerpoint/2010/main" val="1694251578"/>
+        <p14:creationId xmlns:p14="http://schemas.microsoft.com/office/powerpoint/2010/main" val="1414707992"/>
       </p:ext>
     </p:extLst>
   </p:cSld>
